--- a/PPTs/背包问题思路.pptx
+++ b/PPTs/背包问题思路.pptx
@@ -2991,10 +2991,10 @@
           <a:bodyPr/>
           <a:p>
             <a:r>
-              <a:rPr lang="" altLang="zh-CN"/>
+              <a:rPr lang="en-US" altLang="zh-CN"/>
               <a:t>0-1背包问题</a:t>
             </a:r>
-            <a:endParaRPr lang="" altLang="zh-CN"/>
+            <a:endParaRPr lang="en-US" altLang="zh-CN"/>
           </a:p>
         </p:txBody>
       </p:sp>
@@ -3013,32 +3013,32 @@
           <a:bodyPr/>
           <a:p>
             <a:r>
-              <a:rPr lang="" altLang="zh-CN"/>
+              <a:rPr lang="en-US" altLang="zh-CN"/>
               <a:t>问题描述</a:t>
             </a:r>
-            <a:endParaRPr lang="" altLang="zh-CN"/>
+            <a:endParaRPr lang="en-US" altLang="zh-CN"/>
           </a:p>
           <a:p>
             <a:pPr marL="0" indent="0">
               <a:buNone/>
             </a:pPr>
             <a:r>
-              <a:rPr lang="" altLang="zh-CN"/>
+              <a:rPr lang="en-US" altLang="zh-CN"/>
               <a:t>有N个物品和1个容量为W的背包，每个物品的有重量和价值两个属性(wt,val)。现在用这个背包装物品，最多能装的价值是多少？</a:t>
             </a:r>
-            <a:endParaRPr lang="" altLang="zh-CN"/>
+            <a:endParaRPr lang="en-US" altLang="zh-CN"/>
           </a:p>
           <a:p>
             <a:pPr marL="0" indent="0">
               <a:buNone/>
             </a:pPr>
-            <a:endParaRPr lang="" altLang="zh-CN"/>
+            <a:endParaRPr lang="en-US" altLang="zh-CN"/>
           </a:p>
           <a:p>
             <a:pPr marL="0" indent="0">
               <a:buNone/>
             </a:pPr>
-            <a:endParaRPr lang="" altLang="zh-CN"/>
+            <a:endParaRPr lang="en-US" altLang="zh-CN"/>
           </a:p>
         </p:txBody>
       </p:sp>
@@ -3075,10 +3075,10 @@
           <a:bodyPr/>
           <a:p>
             <a:r>
-              <a:rPr lang="" altLang="zh-CN"/>
+              <a:rPr lang="en-US" altLang="zh-CN"/>
               <a:t>思路</a:t>
             </a:r>
-            <a:endParaRPr lang="" altLang="zh-CN"/>
+            <a:endParaRPr lang="en-US" altLang="zh-CN"/>
           </a:p>
         </p:txBody>
       </p:sp>
@@ -3104,85 +3104,85 @@
           </a:bodyPr>
           <a:p>
             <a:r>
-              <a:rPr lang="" altLang="zh-CN"/>
+              <a:rPr lang="en-US" altLang="zh-CN"/>
               <a:t>判断是动态规划问题：跳过</a:t>
             </a:r>
-            <a:endParaRPr lang="" altLang="zh-CN"/>
-          </a:p>
-          <a:p>
-            <a:r>
-              <a:rPr lang="" altLang="zh-CN"/>
+            <a:endParaRPr lang="en-US" altLang="zh-CN"/>
+          </a:p>
+          <a:p>
+            <a:r>
+              <a:rPr lang="en-US" altLang="zh-CN"/>
               <a:t>状态：可选择的物品和背包容量</a:t>
             </a:r>
-            <a:endParaRPr lang="" altLang="zh-CN"/>
-          </a:p>
-          <a:p>
-            <a:r>
-              <a:rPr lang="" altLang="zh-CN"/>
+            <a:endParaRPr lang="en-US" altLang="zh-CN"/>
+          </a:p>
+          <a:p>
+            <a:r>
+              <a:rPr lang="en-US" altLang="zh-CN"/>
               <a:t>选择：该物品装进背包或不装进背包</a:t>
             </a:r>
-            <a:endParaRPr lang="" altLang="zh-CN"/>
-          </a:p>
-          <a:p>
-            <a:r>
-              <a:rPr lang="" altLang="zh-CN"/>
+            <a:endParaRPr lang="en-US" altLang="zh-CN"/>
+          </a:p>
+          <a:p>
+            <a:r>
+              <a:rPr lang="en-US" altLang="zh-CN"/>
               <a:t>定义：dp[i][w]——对于前i个物品和容量为w的背包，能装进的最大价值</a:t>
             </a:r>
-            <a:endParaRPr lang="" altLang="zh-CN"/>
-          </a:p>
-          <a:p>
-            <a:r>
-              <a:rPr lang="" altLang="zh-CN"/>
+            <a:endParaRPr lang="en-US" altLang="zh-CN"/>
+          </a:p>
+          <a:p>
+            <a:r>
+              <a:rPr lang="en-US" altLang="zh-CN"/>
               <a:t>状态转移方程：</a:t>
             </a:r>
-            <a:endParaRPr lang="" altLang="zh-CN"/>
+            <a:endParaRPr lang="en-US" altLang="zh-CN"/>
           </a:p>
           <a:p>
             <a:pPr marL="0" indent="0">
               <a:buNone/>
             </a:pPr>
             <a:r>
-              <a:rPr lang="" altLang="zh-CN"/>
+              <a:rPr lang="en-US" altLang="zh-CN"/>
               <a:t>如果第i件物品不装进背包，则dp[i][w] = dp[i-1][w]</a:t>
             </a:r>
-            <a:endParaRPr lang="" altLang="zh-CN"/>
+            <a:endParaRPr lang="en-US" altLang="zh-CN"/>
           </a:p>
           <a:p>
             <a:pPr marL="0" indent="0">
               <a:buNone/>
             </a:pPr>
             <a:r>
-              <a:rPr lang="" altLang="zh-CN"/>
+              <a:rPr lang="en-US" altLang="zh-CN"/>
               <a:t>如果第i件物品装进背包，则dp[i][w] = dp[i-1][w-wt[i]] + val[i]</a:t>
             </a:r>
-            <a:endParaRPr lang="" altLang="zh-CN"/>
-          </a:p>
-          <a:p>
-            <a:r>
-              <a:rPr lang="" altLang="zh-CN"/>
+            <a:endParaRPr lang="en-US" altLang="zh-CN"/>
+          </a:p>
+          <a:p>
+            <a:r>
+              <a:rPr lang="en-US" altLang="zh-CN"/>
               <a:t>base case   </a:t>
             </a:r>
-            <a:endParaRPr lang="" altLang="zh-CN"/>
+            <a:endParaRPr lang="en-US" altLang="zh-CN"/>
           </a:p>
           <a:p>
             <a:pPr marL="0" indent="0">
               <a:buNone/>
             </a:pPr>
             <a:r>
-              <a:rPr lang="" altLang="zh-CN"/>
+              <a:rPr lang="en-US" altLang="zh-CN"/>
               <a:t>dp[0][w] : 前0个物品，没有物品，价值只能为0</a:t>
             </a:r>
-            <a:endParaRPr lang="" altLang="zh-CN"/>
+            <a:endParaRPr lang="en-US" altLang="zh-CN"/>
           </a:p>
           <a:p>
             <a:pPr marL="0" indent="0">
               <a:buNone/>
             </a:pPr>
             <a:r>
-              <a:rPr lang="" altLang="zh-CN"/>
+              <a:rPr lang="en-US" altLang="zh-CN"/>
               <a:t>dp[i][0] : 前i个物品，容量为0，所以价值也只能为0</a:t>
             </a:r>
-            <a:endParaRPr lang="" altLang="zh-CN"/>
+            <a:endParaRPr lang="en-US" altLang="zh-CN"/>
           </a:p>
         </p:txBody>
       </p:sp>
@@ -3219,10 +3219,10 @@
           <a:bodyPr/>
           <a:p>
             <a:r>
-              <a:rPr lang="" altLang="zh-CN"/>
+              <a:rPr lang="en-US" altLang="zh-CN"/>
               <a:t>对于“价值”的思考</a:t>
             </a:r>
-            <a:endParaRPr lang="" altLang="zh-CN"/>
+            <a:endParaRPr lang="en-US" altLang="zh-CN"/>
           </a:p>
         </p:txBody>
       </p:sp>
@@ -3241,47 +3241,47 @@
           <a:bodyPr/>
           <a:p>
             <a:r>
-              <a:rPr lang="" altLang="zh-CN"/>
+              <a:rPr lang="en-US" altLang="zh-CN"/>
               <a:t>看出某问题是背包问题，才是解决问题的关键！！</a:t>
             </a:r>
-            <a:endParaRPr lang="" altLang="zh-CN"/>
-          </a:p>
-          <a:p>
-            <a:r>
-              <a:rPr lang="" altLang="zh-CN"/>
+            <a:endParaRPr lang="en-US" altLang="zh-CN"/>
+          </a:p>
+          <a:p>
+            <a:r>
+              <a:rPr lang="en-US" altLang="zh-CN"/>
               <a:t>当有下面几点时，考虑背包问题</a:t>
             </a:r>
-            <a:endParaRPr lang="" altLang="zh-CN"/>
+            <a:endParaRPr lang="en-US" altLang="zh-CN"/>
           </a:p>
           <a:p>
             <a:pPr marL="514350" indent="-514350">
               <a:buAutoNum type="arabicPeriod"/>
             </a:pPr>
             <a:r>
-              <a:rPr lang="" altLang="zh-CN"/>
+              <a:rPr lang="en-US" altLang="zh-CN"/>
               <a:t>它是一个二维问题</a:t>
             </a:r>
-            <a:endParaRPr lang="" altLang="zh-CN"/>
+            <a:endParaRPr lang="en-US" altLang="zh-CN"/>
           </a:p>
           <a:p>
             <a:pPr marL="514350" indent="-514350">
               <a:buAutoNum type="arabicPeriod"/>
             </a:pPr>
             <a:r>
-              <a:rPr lang="" altLang="zh-CN"/>
+              <a:rPr lang="en-US" altLang="zh-CN"/>
               <a:t>两个维度不同质</a:t>
             </a:r>
-            <a:endParaRPr lang="" altLang="zh-CN"/>
+            <a:endParaRPr lang="en-US" altLang="zh-CN"/>
           </a:p>
           <a:p>
             <a:pPr marL="514350" indent="-514350">
               <a:buAutoNum type="arabicPeriod"/>
             </a:pPr>
             <a:r>
-              <a:rPr lang="" altLang="zh-CN"/>
+              <a:rPr lang="en-US" altLang="zh-CN"/>
               <a:t>价值是一种可以线性叠加的值，比如方法总数，比如bool值等等，林林总总，不要被框架限制住。</a:t>
             </a:r>
-            <a:endParaRPr lang="" altLang="zh-CN"/>
+            <a:endParaRPr lang="en-US" altLang="zh-CN"/>
           </a:p>
         </p:txBody>
       </p:sp>
@@ -3318,10 +3318,10 @@
           <a:bodyPr/>
           <a:p>
             <a:r>
-              <a:rPr lang="" altLang="zh-CN"/>
+              <a:rPr lang="en-US" altLang="zh-CN"/>
               <a:t>完全背包问题</a:t>
             </a:r>
-            <a:endParaRPr lang="" altLang="zh-CN"/>
+            <a:endParaRPr lang="en-US" altLang="zh-CN"/>
           </a:p>
         </p:txBody>
       </p:sp>
@@ -3358,7 +3358,7 @@
               <a:t>有N个物品和1个容量为W的背包，每个物品的有重量和价值两个属性(wt,val)。</a:t>
             </a:r>
             <a:r>
-              <a:rPr lang="" altLang="en-US">
+              <a:rPr lang="en-US" altLang="en-US">
                 <a:sym typeface="+mn-ea"/>
               </a:rPr>
               <a:t>与0-1背包不同的是，每个物品可以复用多次。</a:t>
@@ -3414,10 +3414,10 @@
           <a:bodyPr/>
           <a:p>
             <a:r>
-              <a:rPr lang="" altLang="zh-CN"/>
+              <a:rPr lang="en-US" altLang="zh-CN"/>
               <a:t>关键的翻译：凑零钱2</a:t>
             </a:r>
-            <a:endParaRPr lang="" altLang="zh-CN"/>
+            <a:endParaRPr lang="en-US" altLang="zh-CN"/>
           </a:p>
         </p:txBody>
       </p:sp>
@@ -3443,7 +3443,7 @@
           </a:p>
           <a:p>
             <a:r>
-              <a:rPr lang="" altLang="zh-CN"/>
+              <a:rPr lang="en-US" altLang="zh-CN"/>
               <a:t>标准定义：</a:t>
             </a:r>
             <a:r>
@@ -3451,7 +3451,7 @@
               <a:t>若只使用前i个物品，当背包容量为j时，</a:t>
             </a:r>
             <a:r>
-              <a:rPr lang="" altLang="zh-CN"/>
+              <a:rPr lang="en-US" altLang="zh-CN"/>
               <a:t>最大价值为dp[i][j]</a:t>
             </a:r>
             <a:r>
@@ -3462,7 +3462,7 @@
           </a:p>
           <a:p>
             <a:r>
-              <a:rPr lang="" altLang="zh-CN"/>
+              <a:rPr lang="en-US" altLang="zh-CN"/>
               <a:t>更改价值的定义：</a:t>
             </a:r>
             <a:r>
@@ -3477,10 +3477,10 @@
           </a:p>
           <a:p>
             <a:r>
-              <a:rPr lang="" altLang="zh-CN"/>
+              <a:rPr lang="en-US" altLang="zh-CN"/>
               <a:t>更改到具体问题：若只使用coins前i个硬币的面值，若想凑出金额j，有dp[i][j]中凑法</a:t>
             </a:r>
-            <a:endParaRPr lang="" altLang="zh-CN"/>
+            <a:endParaRPr lang="en-US" altLang="zh-CN"/>
           </a:p>
         </p:txBody>
       </p:sp>
@@ -3517,10 +3517,10 @@
           <a:bodyPr/>
           <a:p>
             <a:r>
-              <a:rPr lang="" altLang="zh-CN"/>
+              <a:rPr lang="en-US" altLang="zh-CN"/>
               <a:t>完全背包问题：思路</a:t>
             </a:r>
-            <a:endParaRPr lang="" altLang="zh-CN"/>
+            <a:endParaRPr lang="en-US" altLang="zh-CN"/>
           </a:p>
         </p:txBody>
       </p:sp>
@@ -3541,105 +3541,113 @@
           </a:bodyPr>
           <a:p>
             <a:r>
-              <a:rPr lang="" altLang="zh-CN"/>
+              <a:rPr lang="en-US" altLang="zh-CN"/>
               <a:t>状态：用哪些硬币 凑多少钱</a:t>
             </a:r>
-            <a:endParaRPr lang="" altLang="zh-CN"/>
-          </a:p>
-          <a:p>
-            <a:r>
-              <a:rPr lang="" altLang="zh-CN"/>
+            <a:endParaRPr lang="en-US" altLang="zh-CN"/>
+          </a:p>
+          <a:p>
+            <a:r>
+              <a:rPr lang="en-US" altLang="zh-CN"/>
               <a:t>选择：装不装</a:t>
             </a:r>
-            <a:endParaRPr lang="" altLang="zh-CN"/>
-          </a:p>
-          <a:p>
-            <a:r>
-              <a:rPr lang="" altLang="zh-CN"/>
+            <a:endParaRPr lang="en-US" altLang="zh-CN"/>
+          </a:p>
+          <a:p>
+            <a:r>
+              <a:rPr lang="en-US" altLang="zh-CN"/>
               <a:t>定义：dp[i][j]，使用前i种硬币（每种硬币可以重复），凑成面值j，有多少种凑法</a:t>
             </a:r>
-            <a:endParaRPr lang="" altLang="zh-CN"/>
-          </a:p>
-          <a:p>
-            <a:r>
-              <a:rPr lang="" altLang="zh-CN"/>
+            <a:endParaRPr lang="en-US" altLang="zh-CN"/>
+          </a:p>
+          <a:p>
+            <a:r>
+              <a:rPr lang="en-US" altLang="zh-CN"/>
               <a:t>方程：</a:t>
             </a:r>
-            <a:endParaRPr lang="" altLang="zh-CN"/>
+            <a:endParaRPr lang="en-US" altLang="zh-CN"/>
           </a:p>
           <a:p>
             <a:pPr marL="0" indent="0">
               <a:buNone/>
             </a:pPr>
             <a:r>
-              <a:rPr lang="" altLang="zh-CN"/>
-              <a:t>如果不放，dp[i][j] = dp[i][j-1]。</a:t>
-            </a:r>
-            <a:endParaRPr lang="" altLang="zh-CN"/>
+              <a:rPr lang="en-US" altLang="zh-CN"/>
+              <a:t>如果不放，dp[i][j] = dp[i</a:t>
+            </a:r>
+            <a:r>
+              <a:rPr lang="" altLang="en-US"/>
+              <a:t>-1</a:t>
+            </a:r>
+            <a:r>
+              <a:rPr lang="en-US" altLang="zh-CN"/>
+              <a:t>][j]。</a:t>
+            </a:r>
+            <a:endParaRPr lang="en-US" altLang="zh-CN"/>
           </a:p>
           <a:p>
             <a:pPr marL="0" indent="0">
               <a:buNone/>
             </a:pPr>
             <a:r>
-              <a:rPr lang="" altLang="zh-CN"/>
+              <a:rPr lang="en-US" altLang="zh-CN"/>
               <a:t>如果放了，dp[i][j] = dp[i][j-coin[i]]</a:t>
             </a:r>
-            <a:endParaRPr lang="" altLang="zh-CN"/>
+            <a:endParaRPr lang="en-US" altLang="zh-CN"/>
           </a:p>
           <a:p>
             <a:pPr marL="0" indent="0">
               <a:buNone/>
             </a:pPr>
             <a:r>
-              <a:rPr lang="" altLang="zh-CN"/>
+              <a:rPr lang="en-US" altLang="zh-CN"/>
               <a:t>所以，是两者相加</a:t>
             </a:r>
-            <a:endParaRPr lang="" altLang="zh-CN"/>
-          </a:p>
-          <a:p>
-            <a:r>
-              <a:rPr lang="" altLang="zh-CN"/>
+            <a:endParaRPr lang="en-US" altLang="zh-CN"/>
+          </a:p>
+          <a:p>
+            <a:r>
+              <a:rPr lang="en-US" altLang="zh-CN"/>
               <a:t>base case</a:t>
             </a:r>
-            <a:endParaRPr lang="" altLang="zh-CN"/>
+            <a:endParaRPr lang="en-US" altLang="zh-CN"/>
           </a:p>
           <a:p>
             <a:pPr marL="0" indent="0">
               <a:buNone/>
             </a:pPr>
             <a:r>
-              <a:rPr lang="" altLang="zh-CN"/>
+              <a:rPr lang="en-US" altLang="zh-CN"/>
               <a:t>dp[0][j] = 0   没有硬币，要实现一定面值，有0种方法</a:t>
             </a:r>
-            <a:endParaRPr lang="" altLang="zh-CN"/>
+            <a:endParaRPr lang="en-US" altLang="zh-CN"/>
           </a:p>
           <a:p>
             <a:pPr marL="0" indent="0">
               <a:buNone/>
             </a:pPr>
             <a:r>
-              <a:rPr lang="" altLang="zh-CN"/>
+              <a:rPr lang="en-US" altLang="zh-CN"/>
               <a:t>dp[i][0] = 1   有i个硬币，面值为0，有1种方法，即啥都不用</a:t>
             </a:r>
-            <a:endParaRPr lang="" altLang="zh-CN"/>
+            <a:endParaRPr lang="en-US" altLang="zh-CN"/>
           </a:p>
           <a:p>
             <a:pPr marL="0" indent="0">
               <a:buNone/>
             </a:pPr>
             <a:r>
-              <a:rPr lang="" altLang="zh-CN"/>
+              <a:rPr lang="en-US" altLang="zh-CN"/>
               <a:t>其中dp[0][0] = 1</a:t>
             </a:r>
-            <a:endParaRPr lang="" altLang="zh-CN"/>
-          </a:p>
-          <a:p>
-            <a:r>
-              <a:rPr lang="" altLang="zh-CN"/>
+            <a:endParaRPr lang="en-US" altLang="zh-CN"/>
+          </a:p>
+          <a:p>
+            <a:r>
+              <a:rPr lang="en-US" altLang="zh-CN"/>
               <a:t>可以进行状态压缩，内层正向遍历</a:t>
             </a:r>
-            <a:endParaRPr lang="" altLang="zh-CN"/>
+            <a:endParaRPr lang="en-US" altLang="zh-CN"/>
           </a:p>
         </p:txBody>
       </p:sp>
@@ -3676,10 +3684,10 @@
           <a:bodyPr/>
           <a:p>
             <a:r>
-              <a:rPr lang="" altLang="zh-CN"/>
+              <a:rPr lang="en-US" altLang="zh-CN"/>
               <a:t>例子：分割等和子集</a:t>
             </a:r>
-            <a:endParaRPr lang="" altLang="zh-CN"/>
+            <a:endParaRPr lang="en-US" altLang="zh-CN"/>
           </a:p>
         </p:txBody>
       </p:sp>
@@ -3698,10 +3706,10 @@
           <a:bodyPr/>
           <a:p>
             <a:r>
-              <a:rPr lang="" altLang="zh-CN"/>
+              <a:rPr lang="en-US" altLang="zh-CN"/>
               <a:t>问题转化：给你4个物品，价值分别是[2,3,5,6]。现在给你一个sum/2=8的背包，请问能否恰好将这个背包装满？</a:t>
             </a:r>
-            <a:endParaRPr lang="" altLang="zh-CN"/>
+            <a:endParaRPr lang="en-US" altLang="zh-CN"/>
           </a:p>
         </p:txBody>
       </p:sp>
@@ -3738,10 +3746,10 @@
           <a:bodyPr/>
           <a:p>
             <a:r>
-              <a:rPr lang="" altLang="zh-CN"/>
+              <a:rPr lang="en-US" altLang="zh-CN"/>
               <a:t>问题解析</a:t>
             </a:r>
-            <a:endParaRPr lang="" altLang="zh-CN"/>
+            <a:endParaRPr lang="en-US" altLang="zh-CN"/>
           </a:p>
         </p:txBody>
       </p:sp>
@@ -3762,65 +3770,65 @@
           </a:bodyPr>
           <a:p>
             <a:r>
-              <a:rPr lang="" altLang="zh-CN"/>
+              <a:rPr lang="en-US" altLang="zh-CN"/>
               <a:t>状态：所用数字，目标和大小</a:t>
             </a:r>
-            <a:endParaRPr lang="" altLang="zh-CN"/>
-          </a:p>
-          <a:p>
-            <a:r>
-              <a:rPr lang="" altLang="zh-CN"/>
+            <a:endParaRPr lang="en-US" altLang="zh-CN"/>
+          </a:p>
+          <a:p>
+            <a:r>
+              <a:rPr lang="en-US" altLang="zh-CN"/>
               <a:t>选择：用或者不用</a:t>
             </a:r>
-            <a:endParaRPr lang="" altLang="zh-CN"/>
-          </a:p>
-          <a:p>
-            <a:r>
-              <a:rPr lang="" altLang="zh-CN"/>
+            <a:endParaRPr lang="en-US" altLang="zh-CN"/>
+          </a:p>
+          <a:p>
+            <a:r>
+              <a:rPr lang="en-US" altLang="zh-CN"/>
               <a:t>定义：dp[i][j]使用前i个数字，目标和为j。如果能凑，则返回true；不能，则返回false</a:t>
             </a:r>
-            <a:endParaRPr lang="" altLang="zh-CN"/>
-          </a:p>
-          <a:p>
-            <a:r>
-              <a:rPr lang="" altLang="zh-CN"/>
+            <a:endParaRPr lang="en-US" altLang="zh-CN"/>
+          </a:p>
+          <a:p>
+            <a:r>
+              <a:rPr lang="en-US" altLang="zh-CN"/>
               <a:t>方程：不用第i个，则dp[i][j] = dp[i-1][j]；使用第i个，则dp[i][j]=dp[i-1][j-nums[i-1]]，两者取||</a:t>
             </a:r>
-            <a:endParaRPr lang="" altLang="zh-CN"/>
-          </a:p>
-          <a:p>
-            <a:r>
-              <a:rPr lang="" altLang="zh-CN"/>
+            <a:endParaRPr lang="en-US" altLang="zh-CN"/>
+          </a:p>
+          <a:p>
+            <a:r>
+              <a:rPr lang="en-US" altLang="zh-CN"/>
               <a:t>base case：</a:t>
             </a:r>
-            <a:endParaRPr lang="" altLang="zh-CN"/>
+            <a:endParaRPr lang="en-US" altLang="zh-CN"/>
           </a:p>
           <a:p>
             <a:pPr marL="0" indent="0">
               <a:buNone/>
             </a:pPr>
             <a:r>
-              <a:rPr lang="" altLang="zh-CN"/>
+              <a:rPr lang="en-US" altLang="zh-CN"/>
               <a:t>dp[0][j] - 使用0个数字来凑一个值，是false</a:t>
             </a:r>
-            <a:endParaRPr lang="" altLang="zh-CN"/>
+            <a:endParaRPr lang="en-US" altLang="zh-CN"/>
           </a:p>
           <a:p>
             <a:pPr marL="0" indent="0">
               <a:buNone/>
             </a:pPr>
             <a:r>
-              <a:rPr lang="" altLang="zh-CN"/>
+              <a:rPr lang="en-US" altLang="zh-CN"/>
               <a:t>dp[i][0] - 使用i个数字来凑0，可以的！都不用即可，是true</a:t>
             </a:r>
-            <a:endParaRPr lang="" altLang="zh-CN"/>
+            <a:endParaRPr lang="en-US" altLang="zh-CN"/>
           </a:p>
           <a:p>
             <a:pPr marL="0" indent="0">
               <a:buNone/>
             </a:pPr>
             <a:r>
-              <a:rPr lang="" altLang="zh-CN"/>
+              <a:rPr lang="en-US" altLang="zh-CN"/>
               <a:t>所以，初始化的时候，都初始话成false，然后再把</a:t>
             </a:r>
             <a:r>
@@ -3830,23 +3838,23 @@
               <a:t>dp[i][0]</a:t>
             </a:r>
             <a:r>
-              <a:rPr lang="" altLang="en-US">
+              <a:rPr lang="en-US" altLang="en-US">
                 <a:sym typeface="+mn-ea"/>
               </a:rPr>
               <a:t>都搞成true，完事</a:t>
             </a:r>
-            <a:endParaRPr lang="" altLang="en-US">
+            <a:endParaRPr lang="en-US" altLang="en-US">
               <a:sym typeface="+mn-ea"/>
             </a:endParaRPr>
           </a:p>
           <a:p>
             <a:r>
-              <a:rPr lang="" altLang="en-US">
+              <a:rPr lang="en-US" altLang="en-US">
                 <a:sym typeface="+mn-ea"/>
               </a:rPr>
               <a:t>压缩空间：内层反着遍历。</a:t>
             </a:r>
-            <a:endParaRPr lang="" altLang="en-US">
+            <a:endParaRPr lang="en-US" altLang="en-US">
               <a:sym typeface="+mn-ea"/>
             </a:endParaRPr>
           </a:p>
